--- a/clase_1/Clase1.pptx
+++ b/clase_1/Clase1.pptx
@@ -141,6 +141,150 @@
 <file path=ppt/changesInfos/changesInfo1.xml><?xml version="1.0" encoding="utf-8"?>
 <pc:chgInfo xmlns:a="http://schemas.openxmlformats.org/drawingml/2006/main" xmlns:r="http://schemas.openxmlformats.org/officeDocument/2006/relationships" xmlns:ac="http://schemas.microsoft.com/office/drawing/2013/main/command" xmlns:pc="http://schemas.microsoft.com/office/powerpoint/2013/main/command">
   <pc:docChgLst>
+    <pc:chgData name="Pelli, Nahuel" userId="fda7a69c-b70f-4563-89b0-910178f692a7" providerId="ADAL" clId="{4176373C-EFF7-4C44-8218-0D7C4CA8AFFF}"/>
+    <pc:docChg chg="modSld">
+      <pc:chgData name="Pelli, Nahuel" userId="fda7a69c-b70f-4563-89b0-910178f692a7" providerId="ADAL" clId="{4176373C-EFF7-4C44-8218-0D7C4CA8AFFF}" dt="2022-03-05T22:46:30.128" v="18" actId="14100"/>
+      <pc:docMkLst>
+        <pc:docMk/>
+      </pc:docMkLst>
+      <pc:sldChg chg="modSp mod">
+        <pc:chgData name="Pelli, Nahuel" userId="fda7a69c-b70f-4563-89b0-910178f692a7" providerId="ADAL" clId="{4176373C-EFF7-4C44-8218-0D7C4CA8AFFF}" dt="2022-03-05T22:45:57.301" v="6" actId="14100"/>
+        <pc:sldMkLst>
+          <pc:docMk/>
+          <pc:sldMk cId="0" sldId="257"/>
+        </pc:sldMkLst>
+        <pc:spChg chg="mod">
+          <ac:chgData name="Pelli, Nahuel" userId="fda7a69c-b70f-4563-89b0-910178f692a7" providerId="ADAL" clId="{4176373C-EFF7-4C44-8218-0D7C4CA8AFFF}" dt="2022-03-05T22:45:57.301" v="6" actId="14100"/>
+          <ac:spMkLst>
+            <pc:docMk/>
+            <pc:sldMk cId="0" sldId="257"/>
+            <ac:spMk id="2" creationId="{00000000-0000-0000-0000-000000000000}"/>
+          </ac:spMkLst>
+        </pc:spChg>
+      </pc:sldChg>
+      <pc:sldChg chg="modSp mod">
+        <pc:chgData name="Pelli, Nahuel" userId="fda7a69c-b70f-4563-89b0-910178f692a7" providerId="ADAL" clId="{4176373C-EFF7-4C44-8218-0D7C4CA8AFFF}" dt="2022-03-05T22:46:04.326" v="10" actId="14100"/>
+        <pc:sldMkLst>
+          <pc:docMk/>
+          <pc:sldMk cId="0" sldId="258"/>
+        </pc:sldMkLst>
+        <pc:spChg chg="mod">
+          <ac:chgData name="Pelli, Nahuel" userId="fda7a69c-b70f-4563-89b0-910178f692a7" providerId="ADAL" clId="{4176373C-EFF7-4C44-8218-0D7C4CA8AFFF}" dt="2022-03-05T22:46:04.326" v="10" actId="14100"/>
+          <ac:spMkLst>
+            <pc:docMk/>
+            <pc:sldMk cId="0" sldId="258"/>
+            <ac:spMk id="2" creationId="{00000000-0000-0000-0000-000000000000}"/>
+          </ac:spMkLst>
+        </pc:spChg>
+      </pc:sldChg>
+      <pc:sldChg chg="modSp mod">
+        <pc:chgData name="Pelli, Nahuel" userId="fda7a69c-b70f-4563-89b0-910178f692a7" providerId="ADAL" clId="{4176373C-EFF7-4C44-8218-0D7C4CA8AFFF}" dt="2022-03-05T22:45:49.674" v="2" actId="20577"/>
+        <pc:sldMkLst>
+          <pc:docMk/>
+          <pc:sldMk cId="0" sldId="259"/>
+        </pc:sldMkLst>
+        <pc:spChg chg="mod">
+          <ac:chgData name="Pelli, Nahuel" userId="fda7a69c-b70f-4563-89b0-910178f692a7" providerId="ADAL" clId="{4176373C-EFF7-4C44-8218-0D7C4CA8AFFF}" dt="2022-03-05T22:45:49.674" v="2" actId="20577"/>
+          <ac:spMkLst>
+            <pc:docMk/>
+            <pc:sldMk cId="0" sldId="259"/>
+            <ac:spMk id="6" creationId="{00000000-0000-0000-0000-000000000000}"/>
+          </ac:spMkLst>
+        </pc:spChg>
+      </pc:sldChg>
+      <pc:sldChg chg="modSp mod">
+        <pc:chgData name="Pelli, Nahuel" userId="fda7a69c-b70f-4563-89b0-910178f692a7" providerId="ADAL" clId="{4176373C-EFF7-4C44-8218-0D7C4CA8AFFF}" dt="2022-03-05T22:46:11.282" v="11" actId="20577"/>
+        <pc:sldMkLst>
+          <pc:docMk/>
+          <pc:sldMk cId="0" sldId="262"/>
+        </pc:sldMkLst>
+        <pc:spChg chg="mod">
+          <ac:chgData name="Pelli, Nahuel" userId="fda7a69c-b70f-4563-89b0-910178f692a7" providerId="ADAL" clId="{4176373C-EFF7-4C44-8218-0D7C4CA8AFFF}" dt="2022-03-05T22:46:11.282" v="11" actId="20577"/>
+          <ac:spMkLst>
+            <pc:docMk/>
+            <pc:sldMk cId="0" sldId="262"/>
+            <ac:spMk id="2" creationId="{00000000-0000-0000-0000-000000000000}"/>
+          </ac:spMkLst>
+        </pc:spChg>
+      </pc:sldChg>
+      <pc:sldChg chg="modSp mod">
+        <pc:chgData name="Pelli, Nahuel" userId="fda7a69c-b70f-4563-89b0-910178f692a7" providerId="ADAL" clId="{4176373C-EFF7-4C44-8218-0D7C4CA8AFFF}" dt="2022-03-05T22:46:14.382" v="12" actId="20577"/>
+        <pc:sldMkLst>
+          <pc:docMk/>
+          <pc:sldMk cId="0" sldId="263"/>
+        </pc:sldMkLst>
+        <pc:spChg chg="mod">
+          <ac:chgData name="Pelli, Nahuel" userId="fda7a69c-b70f-4563-89b0-910178f692a7" providerId="ADAL" clId="{4176373C-EFF7-4C44-8218-0D7C4CA8AFFF}" dt="2022-03-05T22:46:14.382" v="12" actId="20577"/>
+          <ac:spMkLst>
+            <pc:docMk/>
+            <pc:sldMk cId="0" sldId="263"/>
+            <ac:spMk id="2" creationId="{00000000-0000-0000-0000-000000000000}"/>
+          </ac:spMkLst>
+        </pc:spChg>
+      </pc:sldChg>
+      <pc:sldChg chg="modSp mod">
+        <pc:chgData name="Pelli, Nahuel" userId="fda7a69c-b70f-4563-89b0-910178f692a7" providerId="ADAL" clId="{4176373C-EFF7-4C44-8218-0D7C4CA8AFFF}" dt="2022-03-05T22:46:16.923" v="13" actId="20577"/>
+        <pc:sldMkLst>
+          <pc:docMk/>
+          <pc:sldMk cId="0" sldId="264"/>
+        </pc:sldMkLst>
+        <pc:spChg chg="mod">
+          <ac:chgData name="Pelli, Nahuel" userId="fda7a69c-b70f-4563-89b0-910178f692a7" providerId="ADAL" clId="{4176373C-EFF7-4C44-8218-0D7C4CA8AFFF}" dt="2022-03-05T22:46:16.923" v="13" actId="20577"/>
+          <ac:spMkLst>
+            <pc:docMk/>
+            <pc:sldMk cId="0" sldId="264"/>
+            <ac:spMk id="2" creationId="{00000000-0000-0000-0000-000000000000}"/>
+          </ac:spMkLst>
+        </pc:spChg>
+      </pc:sldChg>
+      <pc:sldChg chg="modSp mod">
+        <pc:chgData name="Pelli, Nahuel" userId="fda7a69c-b70f-4563-89b0-910178f692a7" providerId="ADAL" clId="{4176373C-EFF7-4C44-8218-0D7C4CA8AFFF}" dt="2022-03-05T22:46:19.341" v="14" actId="20577"/>
+        <pc:sldMkLst>
+          <pc:docMk/>
+          <pc:sldMk cId="0" sldId="265"/>
+        </pc:sldMkLst>
+        <pc:spChg chg="mod">
+          <ac:chgData name="Pelli, Nahuel" userId="fda7a69c-b70f-4563-89b0-910178f692a7" providerId="ADAL" clId="{4176373C-EFF7-4C44-8218-0D7C4CA8AFFF}" dt="2022-03-05T22:46:19.341" v="14" actId="20577"/>
+          <ac:spMkLst>
+            <pc:docMk/>
+            <pc:sldMk cId="0" sldId="265"/>
+            <ac:spMk id="2" creationId="{00000000-0000-0000-0000-000000000000}"/>
+          </ac:spMkLst>
+        </pc:spChg>
+      </pc:sldChg>
+      <pc:sldChg chg="modSp mod">
+        <pc:chgData name="Pelli, Nahuel" userId="fda7a69c-b70f-4563-89b0-910178f692a7" providerId="ADAL" clId="{4176373C-EFF7-4C44-8218-0D7C4CA8AFFF}" dt="2022-03-05T22:46:23.265" v="15" actId="20577"/>
+        <pc:sldMkLst>
+          <pc:docMk/>
+          <pc:sldMk cId="0" sldId="266"/>
+        </pc:sldMkLst>
+        <pc:spChg chg="mod">
+          <ac:chgData name="Pelli, Nahuel" userId="fda7a69c-b70f-4563-89b0-910178f692a7" providerId="ADAL" clId="{4176373C-EFF7-4C44-8218-0D7C4CA8AFFF}" dt="2022-03-05T22:46:23.265" v="15" actId="20577"/>
+          <ac:spMkLst>
+            <pc:docMk/>
+            <pc:sldMk cId="0" sldId="266"/>
+            <ac:spMk id="2" creationId="{00000000-0000-0000-0000-000000000000}"/>
+          </ac:spMkLst>
+        </pc:spChg>
+      </pc:sldChg>
+      <pc:sldChg chg="modSp mod">
+        <pc:chgData name="Pelli, Nahuel" userId="fda7a69c-b70f-4563-89b0-910178f692a7" providerId="ADAL" clId="{4176373C-EFF7-4C44-8218-0D7C4CA8AFFF}" dt="2022-03-05T22:46:30.128" v="18" actId="14100"/>
+        <pc:sldMkLst>
+          <pc:docMk/>
+          <pc:sldMk cId="0" sldId="267"/>
+        </pc:sldMkLst>
+        <pc:spChg chg="mod">
+          <ac:chgData name="Pelli, Nahuel" userId="fda7a69c-b70f-4563-89b0-910178f692a7" providerId="ADAL" clId="{4176373C-EFF7-4C44-8218-0D7C4CA8AFFF}" dt="2022-03-05T22:46:30.128" v="18" actId="14100"/>
+          <ac:spMkLst>
+            <pc:docMk/>
+            <pc:sldMk cId="0" sldId="267"/>
+            <ac:spMk id="2" creationId="{00000000-0000-0000-0000-000000000000}"/>
+          </ac:spMkLst>
+        </pc:spChg>
+      </pc:sldChg>
+    </pc:docChg>
+  </pc:docChgLst>
+  <pc:docChgLst>
     <pc:chgData name="Pelli, Nahuel" userId="fda7a69c-b70f-4563-89b0-910178f692a7" providerId="ADAL" clId="{0FB5ED66-766A-4B78-BF27-FFBA61D4F8EC}"/>
     <pc:docChg chg="modSld">
       <pc:chgData name="Pelli, Nahuel" userId="fda7a69c-b70f-4563-89b0-910178f692a7" providerId="ADAL" clId="{0FB5ED66-766A-4B78-BF27-FFBA61D4F8EC}" dt="2022-03-04T21:49:19.971" v="0" actId="6549"/>
@@ -479,7 +623,7 @@
           <a:p>
             <a:fld id="{1D8BD707-D9CF-40AE-B4C6-C98DA3205C09}" type="datetimeFigureOut">
               <a:rPr lang="en-US"/>
-              <a:t>3/3/2022</a:t>
+              <a:t>3/5/2022</a:t>
             </a:fld>
             <a:endParaRPr lang="en-US"/>
           </a:p>
@@ -656,7 +800,7 @@
           <a:p>
             <a:fld id="{1D8BD707-D9CF-40AE-B4C6-C98DA3205C09}" type="datetimeFigureOut">
               <a:rPr lang="en-US"/>
-              <a:t>3/3/2022</a:t>
+              <a:t>3/5/2022</a:t>
             </a:fld>
             <a:endParaRPr lang="en-US"/>
           </a:p>
@@ -870,7 +1014,7 @@
           <a:p>
             <a:fld id="{1D8BD707-D9CF-40AE-B4C6-C98DA3205C09}" type="datetimeFigureOut">
               <a:rPr lang="en-US"/>
-              <a:t>3/3/2022</a:t>
+              <a:t>3/5/2022</a:t>
             </a:fld>
             <a:endParaRPr lang="en-US"/>
           </a:p>
@@ -1018,7 +1162,7 @@
           <a:p>
             <a:fld id="{1D8BD707-D9CF-40AE-B4C6-C98DA3205C09}" type="datetimeFigureOut">
               <a:rPr lang="en-US"/>
-              <a:t>3/3/2022</a:t>
+              <a:t>3/5/2022</a:t>
             </a:fld>
             <a:endParaRPr lang="en-US"/>
           </a:p>
@@ -1137,7 +1281,7 @@
           <a:p>
             <a:fld id="{1D8BD707-D9CF-40AE-B4C6-C98DA3205C09}" type="datetimeFigureOut">
               <a:rPr lang="en-US"/>
-              <a:t>3/3/2022</a:t>
+              <a:t>3/5/2022</a:t>
             </a:fld>
             <a:endParaRPr lang="en-US"/>
           </a:p>
@@ -1484,7 +1628,7 @@
           <a:p>
             <a:fld id="{1D8BD707-D9CF-40AE-B4C6-C98DA3205C09}" type="datetimeFigureOut">
               <a:rPr lang="en-US"/>
-              <a:t>3/3/2022</a:t>
+              <a:t>3/5/2022</a:t>
             </a:fld>
             <a:endParaRPr lang="en-US"/>
           </a:p>
@@ -2750,8 +2894,8 @@
               </a:spcBef>
             </a:pPr>
             <a:r>
-              <a:rPr spc="-135" dirty="0"/>
-              <a:t>6</a:t>
+              <a:rPr lang="es-AR" spc="-135" dirty="0"/>
+              <a:t>5</a:t>
             </a:r>
             <a:r>
               <a:rPr spc="-90" dirty="0"/>
@@ -2909,8 +3053,8 @@
               </a:spcBef>
             </a:pPr>
             <a:r>
-              <a:rPr spc="-135" dirty="0"/>
-              <a:t>7</a:t>
+              <a:rPr lang="es-AR" spc="-135" dirty="0"/>
+              <a:t>6</a:t>
             </a:r>
             <a:r>
               <a:rPr spc="-90" dirty="0"/>
@@ -3389,8 +3533,8 @@
               </a:spcBef>
             </a:pPr>
             <a:r>
-              <a:rPr spc="-135" dirty="0"/>
-              <a:t>8</a:t>
+              <a:rPr lang="es-AR" spc="-135" dirty="0"/>
+              <a:t>7</a:t>
             </a:r>
             <a:r>
               <a:rPr spc="-90" dirty="0"/>
@@ -4859,8 +5003,8 @@
               </a:spcBef>
             </a:pPr>
             <a:r>
-              <a:rPr spc="-135" dirty="0"/>
-              <a:t>9</a:t>
+              <a:rPr lang="es-AR" spc="-135" dirty="0"/>
+              <a:t>8</a:t>
             </a:r>
             <a:r>
               <a:rPr spc="-90" dirty="0"/>
@@ -7207,8 +7351,8 @@
               </a:spcBef>
             </a:pPr>
             <a:r>
-              <a:rPr spc="-45" dirty="0"/>
-              <a:t>10</a:t>
+              <a:rPr lang="es-AR" spc="-45" dirty="0"/>
+              <a:t>9</a:t>
             </a:r>
             <a:r>
               <a:rPr spc="-25" dirty="0"/>
@@ -8047,8 +8191,8 @@
         </p:nvSpPr>
         <p:spPr>
           <a:xfrm>
-            <a:off x="544925" y="904064"/>
-            <a:ext cx="2199640" cy="513080"/>
+            <a:off x="544924" y="904064"/>
+            <a:ext cx="3188875" cy="505267"/>
           </a:xfrm>
           <a:prstGeom prst="rect">
             <a:avLst/>
@@ -8069,8 +8213,8 @@
               </a:spcBef>
             </a:pPr>
             <a:r>
-              <a:rPr spc="-135" dirty="0"/>
-              <a:t>7</a:t>
+              <a:rPr lang="es-AR" spc="-135" dirty="0"/>
+              <a:t>10</a:t>
             </a:r>
             <a:r>
               <a:rPr spc="-90" dirty="0"/>
@@ -10508,7 +10652,7 @@
         <p:spPr>
           <a:xfrm>
             <a:off x="544925" y="904064"/>
-            <a:ext cx="5203825" cy="513080"/>
+            <a:ext cx="6694075" cy="505267"/>
           </a:xfrm>
           <a:prstGeom prst="rect">
             <a:avLst/>
@@ -10528,6 +10672,10 @@
                 <a:spcPts val="100"/>
               </a:spcBef>
             </a:pPr>
+            <a:r>
+              <a:rPr lang="es-AR" spc="75" dirty="0"/>
+              <a:t>1. </a:t>
+            </a:r>
             <a:r>
               <a:rPr spc="75" dirty="0"/>
               <a:t>¿Qu</a:t>
@@ -11316,8 +11464,8 @@
         </p:nvSpPr>
         <p:spPr>
           <a:xfrm>
-            <a:off x="544925" y="904064"/>
-            <a:ext cx="2340610" cy="513080"/>
+            <a:off x="544924" y="904064"/>
+            <a:ext cx="3798475" cy="505267"/>
           </a:xfrm>
           <a:prstGeom prst="rect">
             <a:avLst/>
@@ -11338,9 +11486,14 @@
               </a:spcBef>
             </a:pPr>
             <a:r>
-              <a:rPr spc="30" dirty="0"/>
+              <a:rPr lang="es-AR" spc="30" dirty="0"/>
+              <a:t>2. </a:t>
+            </a:r>
+            <a:r>
+              <a:rPr spc="30" dirty="0" err="1"/>
               <a:t>Aplicaciones</a:t>
             </a:r>
+            <a:endParaRPr spc="30" dirty="0"/>
           </a:p>
         </p:txBody>
       </p:sp>
@@ -11819,7 +11972,7 @@
         <p:spPr>
           <a:xfrm>
             <a:off x="171200" y="181726"/>
-            <a:ext cx="2616200" cy="272415"/>
+            <a:ext cx="2616200" cy="261610"/>
           </a:xfrm>
           <a:prstGeom prst="rect">
             <a:avLst/>
@@ -11840,7 +11993,7 @@
               </a:spcBef>
             </a:pPr>
             <a:r>
-              <a:rPr sz="1600" spc="-60" dirty="0"/>
+              <a:rPr lang="es-AR" sz="1600" spc="-60" dirty="0"/>
               <a:t>3</a:t>
             </a:r>
             <a:r>
@@ -11911,7 +12064,7 @@
               <a:rPr sz="1600" spc="120" dirty="0"/>
               <a:t>os</a:t>
             </a:r>
-            <a:endParaRPr sz="1600"/>
+            <a:endParaRPr sz="1600" dirty="0"/>
           </a:p>
         </p:txBody>
       </p:sp>

--- a/clase_1/Clase1.pptx
+++ b/clase_1/Clase1.pptx
@@ -623,7 +623,7 @@
           <a:p>
             <a:fld id="{1D8BD707-D9CF-40AE-B4C6-C98DA3205C09}" type="datetimeFigureOut">
               <a:rPr lang="en-US"/>
-              <a:t>3/5/2022</a:t>
+              <a:t>4/29/2022</a:t>
             </a:fld>
             <a:endParaRPr lang="en-US"/>
           </a:p>
@@ -800,7 +800,7 @@
           <a:p>
             <a:fld id="{1D8BD707-D9CF-40AE-B4C6-C98DA3205C09}" type="datetimeFigureOut">
               <a:rPr lang="en-US"/>
-              <a:t>3/5/2022</a:t>
+              <a:t>4/29/2022</a:t>
             </a:fld>
             <a:endParaRPr lang="en-US"/>
           </a:p>
@@ -1014,7 +1014,7 @@
           <a:p>
             <a:fld id="{1D8BD707-D9CF-40AE-B4C6-C98DA3205C09}" type="datetimeFigureOut">
               <a:rPr lang="en-US"/>
-              <a:t>3/5/2022</a:t>
+              <a:t>4/29/2022</a:t>
             </a:fld>
             <a:endParaRPr lang="en-US"/>
           </a:p>
@@ -1162,7 +1162,7 @@
           <a:p>
             <a:fld id="{1D8BD707-D9CF-40AE-B4C6-C98DA3205C09}" type="datetimeFigureOut">
               <a:rPr lang="en-US"/>
-              <a:t>3/5/2022</a:t>
+              <a:t>4/29/2022</a:t>
             </a:fld>
             <a:endParaRPr lang="en-US"/>
           </a:p>
@@ -1281,7 +1281,7 @@
           <a:p>
             <a:fld id="{1D8BD707-D9CF-40AE-B4C6-C98DA3205C09}" type="datetimeFigureOut">
               <a:rPr lang="en-US"/>
-              <a:t>3/5/2022</a:t>
+              <a:t>4/29/2022</a:t>
             </a:fld>
             <a:endParaRPr lang="en-US"/>
           </a:p>
@@ -1628,7 +1628,7 @@
           <a:p>
             <a:fld id="{1D8BD707-D9CF-40AE-B4C6-C98DA3205C09}" type="datetimeFigureOut">
               <a:rPr lang="en-US"/>
-              <a:t>3/5/2022</a:t>
+              <a:t>4/29/2022</a:t>
             </a:fld>
             <a:endParaRPr lang="en-US"/>
           </a:p>
@@ -1963,7 +1963,7 @@
               </a:spcBef>
             </a:pPr>
             <a:r>
-              <a:rPr sz="1800" spc="30" dirty="0">
+              <a:rPr sz="1800" spc="30" dirty="0" err="1">
                 <a:solidFill>
                   <a:srgbClr val="FFFFFF"/>
                 </a:solidFill>
@@ -1973,7 +1973,7 @@
               <a:t>Clas</a:t>
             </a:r>
             <a:r>
-              <a:rPr sz="1800" spc="45" dirty="0">
+              <a:rPr sz="1800" spc="45" dirty="0" err="1">
                 <a:solidFill>
                   <a:srgbClr val="FFFFFF"/>
                 </a:solidFill>
@@ -1993,14 +1993,84 @@
               <a:t> </a:t>
             </a:r>
             <a:r>
-              <a:rPr sz="1800" spc="65" dirty="0">
+              <a:rPr lang="es-AR" sz="1800" spc="65">
                 <a:solidFill>
                   <a:srgbClr val="FFFFFF"/>
                 </a:solidFill>
                 <a:latin typeface="Trebuchet MS"/>
                 <a:cs typeface="Trebuchet MS"/>
               </a:rPr>
-              <a:t>3</a:t>
+              <a:t>1</a:t>
+            </a:r>
+            <a:r>
+              <a:rPr sz="1800" spc="-100">
+                <a:solidFill>
+                  <a:srgbClr val="FFFFFF"/>
+                </a:solidFill>
+                <a:latin typeface="Trebuchet MS"/>
+                <a:cs typeface="Trebuchet MS"/>
+              </a:rPr>
+              <a:t> </a:t>
+            </a:r>
+            <a:r>
+              <a:rPr sz="1800" spc="-165" dirty="0">
+                <a:solidFill>
+                  <a:srgbClr val="FFFFFF"/>
+                </a:solidFill>
+                <a:latin typeface="Trebuchet MS"/>
+                <a:cs typeface="Trebuchet MS"/>
+              </a:rPr>
+              <a:t>-</a:t>
+            </a:r>
+            <a:r>
+              <a:rPr sz="1800" spc="-105" dirty="0">
+                <a:solidFill>
+                  <a:srgbClr val="FFFFFF"/>
+                </a:solidFill>
+                <a:latin typeface="Trebuchet MS"/>
+                <a:cs typeface="Trebuchet MS"/>
+              </a:rPr>
+              <a:t> </a:t>
+            </a:r>
+            <a:r>
+              <a:rPr sz="1800" spc="-65" dirty="0">
+                <a:solidFill>
+                  <a:srgbClr val="FFFFFF"/>
+                </a:solidFill>
+                <a:latin typeface="Trebuchet MS"/>
+                <a:cs typeface="Trebuchet MS"/>
+              </a:rPr>
+              <a:t>Int</a:t>
+            </a:r>
+            <a:r>
+              <a:rPr sz="1800" spc="-75" dirty="0">
+                <a:solidFill>
+                  <a:srgbClr val="FFFFFF"/>
+                </a:solidFill>
+                <a:latin typeface="Trebuchet MS"/>
+                <a:cs typeface="Trebuchet MS"/>
+              </a:rPr>
+              <a:t>r</a:t>
+            </a:r>
+            <a:r>
+              <a:rPr sz="1800" spc="15" dirty="0">
+                <a:solidFill>
+                  <a:srgbClr val="FFFFFF"/>
+                </a:solidFill>
+                <a:latin typeface="Trebuchet MS"/>
+                <a:cs typeface="Trebuchet MS"/>
+              </a:rPr>
+              <a:t>oducció</a:t>
+            </a:r>
+            <a:r>
+              <a:rPr sz="1800" spc="20" dirty="0">
+                <a:solidFill>
+                  <a:srgbClr val="FFFFFF"/>
+                </a:solidFill>
+                <a:latin typeface="Trebuchet MS"/>
+                <a:cs typeface="Trebuchet MS"/>
+              </a:rPr>
+              <a:t>n</a:t>
             </a:r>
             <a:r>
               <a:rPr sz="1800" spc="-100" dirty="0">
@@ -2013,14 +2083,54 @@
               <a:t> </a:t>
             </a:r>
             <a:r>
-              <a:rPr sz="1800" spc="-165" dirty="0">
+              <a:rPr sz="1800" spc="-40" dirty="0">
                 <a:solidFill>
                   <a:srgbClr val="FFFFFF"/>
                 </a:solidFill>
                 <a:latin typeface="Trebuchet MS"/>
                 <a:cs typeface="Trebuchet MS"/>
               </a:rPr>
-              <a:t>-</a:t>
+              <a:t>y</a:t>
+            </a:r>
+            <a:r>
+              <a:rPr sz="1800" spc="-100" dirty="0">
+                <a:solidFill>
+                  <a:srgbClr val="FFFFFF"/>
+                </a:solidFill>
+                <a:latin typeface="Trebuchet MS"/>
+                <a:cs typeface="Trebuchet MS"/>
+              </a:rPr>
+              <a:t> </a:t>
+            </a:r>
+            <a:r>
+              <a:rPr sz="1800" spc="-60" dirty="0">
+                <a:solidFill>
+                  <a:srgbClr val="FFFFFF"/>
+                </a:solidFill>
+                <a:latin typeface="Trebuchet MS"/>
+                <a:cs typeface="Trebuchet MS"/>
+              </a:rPr>
+              <a:t>her</a:t>
+            </a:r>
+            <a:r>
+              <a:rPr sz="1800" spc="-85" dirty="0">
+                <a:solidFill>
+                  <a:srgbClr val="FFFFFF"/>
+                </a:solidFill>
+                <a:latin typeface="Trebuchet MS"/>
+                <a:cs typeface="Trebuchet MS"/>
+              </a:rPr>
+              <a:t>r</a:t>
+            </a:r>
+            <a:r>
+              <a:rPr sz="1800" spc="10" dirty="0">
+                <a:solidFill>
+                  <a:srgbClr val="FFFFFF"/>
+                </a:solidFill>
+                <a:latin typeface="Trebuchet MS"/>
+                <a:cs typeface="Trebuchet MS"/>
+              </a:rPr>
+              <a:t>amientas</a:t>
             </a:r>
             <a:r>
               <a:rPr sz="1800" spc="-105" dirty="0">
@@ -2033,156 +2143,46 @@
               <a:t> </a:t>
             </a:r>
             <a:r>
-              <a:rPr sz="1800" spc="-65" dirty="0">
+              <a:rPr sz="1800" spc="-15" dirty="0">
                 <a:solidFill>
                   <a:srgbClr val="FFFFFF"/>
                 </a:solidFill>
                 <a:latin typeface="Trebuchet MS"/>
                 <a:cs typeface="Trebuchet MS"/>
               </a:rPr>
-              <a:t>Int</a:t>
-            </a:r>
-            <a:r>
-              <a:rPr sz="1800" spc="-75" dirty="0">
+              <a:t>d</a:t>
+            </a:r>
+            <a:r>
+              <a:rPr sz="1800" spc="-10" dirty="0">
                 <a:solidFill>
                   <a:srgbClr val="FFFFFF"/>
                 </a:solidFill>
                 <a:latin typeface="Trebuchet MS"/>
                 <a:cs typeface="Trebuchet MS"/>
               </a:rPr>
-              <a:t>r</a:t>
-            </a:r>
-            <a:r>
-              <a:rPr sz="1800" spc="15" dirty="0">
+              <a:t>e</a:t>
+            </a:r>
+            <a:r>
+              <a:rPr sz="1800" spc="-105" dirty="0">
                 <a:solidFill>
                   <a:srgbClr val="FFFFFF"/>
                 </a:solidFill>
                 <a:latin typeface="Trebuchet MS"/>
                 <a:cs typeface="Trebuchet MS"/>
               </a:rPr>
-              <a:t>oducció</a:t>
-            </a:r>
-            <a:r>
-              <a:rPr sz="1800" spc="20" dirty="0">
+              <a:t> </a:t>
+            </a:r>
+            <a:r>
+              <a:rPr sz="1800" spc="125" dirty="0">
                 <a:solidFill>
                   <a:srgbClr val="FFFFFF"/>
                 </a:solidFill>
                 <a:latin typeface="Trebuchet MS"/>
                 <a:cs typeface="Trebuchet MS"/>
               </a:rPr>
-              <a:t>n</a:t>
-            </a:r>
-            <a:r>
-              <a:rPr sz="1800" spc="-100" dirty="0">
-                <a:solidFill>
-                  <a:srgbClr val="FFFFFF"/>
-                </a:solidFill>
-                <a:latin typeface="Trebuchet MS"/>
-                <a:cs typeface="Trebuchet MS"/>
-              </a:rPr>
-              <a:t> </a:t>
-            </a:r>
-            <a:r>
-              <a:rPr sz="1800" spc="-40" dirty="0">
-                <a:solidFill>
-                  <a:srgbClr val="FFFFFF"/>
-                </a:solidFill>
-                <a:latin typeface="Trebuchet MS"/>
-                <a:cs typeface="Trebuchet MS"/>
-              </a:rPr>
-              <a:t>y</a:t>
-            </a:r>
-            <a:r>
-              <a:rPr sz="1800" spc="-100" dirty="0">
-                <a:solidFill>
-                  <a:srgbClr val="FFFFFF"/>
-                </a:solidFill>
-                <a:latin typeface="Trebuchet MS"/>
-                <a:cs typeface="Trebuchet MS"/>
-              </a:rPr>
-              <a:t> </a:t>
-            </a:r>
-            <a:r>
-              <a:rPr sz="1800" spc="-60" dirty="0">
-                <a:solidFill>
-                  <a:srgbClr val="FFFFFF"/>
-                </a:solidFill>
-                <a:latin typeface="Trebuchet MS"/>
-                <a:cs typeface="Trebuchet MS"/>
-              </a:rPr>
-              <a:t>her</a:t>
-            </a:r>
-            <a:r>
-              <a:rPr sz="1800" spc="-85" dirty="0">
-                <a:solidFill>
-                  <a:srgbClr val="FFFFFF"/>
-                </a:solidFill>
-                <a:latin typeface="Trebuchet MS"/>
-                <a:cs typeface="Trebuchet MS"/>
-              </a:rPr>
-              <a:t>r</a:t>
-            </a:r>
-            <a:r>
-              <a:rPr sz="1800" spc="10" dirty="0">
-                <a:solidFill>
-                  <a:srgbClr val="FFFFFF"/>
-                </a:solidFill>
-                <a:latin typeface="Trebuchet MS"/>
-                <a:cs typeface="Trebuchet MS"/>
-              </a:rPr>
-              <a:t>amientas</a:t>
-            </a:r>
-            <a:r>
-              <a:rPr sz="1800" spc="-105" dirty="0">
-                <a:solidFill>
-                  <a:srgbClr val="FFFFFF"/>
-                </a:solidFill>
-                <a:latin typeface="Trebuchet MS"/>
-                <a:cs typeface="Trebuchet MS"/>
-              </a:rPr>
-              <a:t> </a:t>
-            </a:r>
-            <a:r>
-              <a:rPr sz="1800" spc="-15" dirty="0">
-                <a:solidFill>
-                  <a:srgbClr val="FFFFFF"/>
-                </a:solidFill>
-                <a:latin typeface="Trebuchet MS"/>
-                <a:cs typeface="Trebuchet MS"/>
-              </a:rPr>
-              <a:t>d</a:t>
-            </a:r>
-            <a:r>
-              <a:rPr sz="1800" spc="-10" dirty="0">
-                <a:solidFill>
-                  <a:srgbClr val="FFFFFF"/>
-                </a:solidFill>
-                <a:latin typeface="Trebuchet MS"/>
-                <a:cs typeface="Trebuchet MS"/>
-              </a:rPr>
-              <a:t>e</a:t>
-            </a:r>
-            <a:r>
-              <a:rPr sz="1800" spc="-105" dirty="0">
-                <a:solidFill>
-                  <a:srgbClr val="FFFFFF"/>
-                </a:solidFill>
-                <a:latin typeface="Trebuchet MS"/>
-                <a:cs typeface="Trebuchet MS"/>
-              </a:rPr>
-              <a:t> </a:t>
-            </a:r>
-            <a:r>
-              <a:rPr sz="1800" spc="125" dirty="0">
-                <a:solidFill>
-                  <a:srgbClr val="FFFFFF"/>
-                </a:solidFill>
-                <a:latin typeface="Trebuchet MS"/>
-                <a:cs typeface="Trebuchet MS"/>
-              </a:rPr>
               <a:t>SW</a:t>
             </a:r>
-            <a:endParaRPr sz="1800">
+            <a:endParaRPr sz="1800" dirty="0">
               <a:latin typeface="Trebuchet MS"/>
               <a:cs typeface="Trebuchet MS"/>
             </a:endParaRPr>
@@ -9424,7 +9424,7 @@
         <p:spPr>
           <a:xfrm>
             <a:off x="544925" y="1733550"/>
-            <a:ext cx="7529195" cy="3287118"/>
+            <a:ext cx="7529195" cy="1630254"/>
           </a:xfrm>
           <a:prstGeom prst="rect">
             <a:avLst/>
@@ -9435,131 +9435,6 @@
             <a:spAutoFit/>
           </a:bodyPr>
           <a:lstStyle/>
-          <a:p>
-            <a:pPr marL="298450" marR="5080" indent="-285750">
-              <a:lnSpc>
-                <a:spcPct val="114999"/>
-              </a:lnSpc>
-              <a:spcBef>
-                <a:spcPts val="100"/>
-              </a:spcBef>
-              <a:buFont typeface="Arial" panose="020B0604020202020204" pitchFamily="34" charset="0"/>
-              <a:buChar char="•"/>
-              <a:tabLst>
-                <a:tab pos="132080" algn="l"/>
-              </a:tabLst>
-            </a:pPr>
-            <a:r>
-              <a:rPr lang="es-AR" sz="1800" spc="125" dirty="0">
-                <a:solidFill>
-                  <a:srgbClr val="737373"/>
-                </a:solidFill>
-                <a:latin typeface="Trebuchet MS"/>
-                <a:cs typeface="Trebuchet MS"/>
-              </a:rPr>
-              <a:t>Magdalena Bouza</a:t>
-            </a:r>
-          </a:p>
-          <a:p>
-            <a:pPr marL="755650" marR="5080" lvl="1" indent="-285750">
-              <a:lnSpc>
-                <a:spcPct val="114999"/>
-              </a:lnSpc>
-              <a:spcBef>
-                <a:spcPts val="100"/>
-              </a:spcBef>
-              <a:buFont typeface="Arial" panose="020B0604020202020204" pitchFamily="34" charset="0"/>
-              <a:buChar char="•"/>
-              <a:tabLst>
-                <a:tab pos="132080" algn="l"/>
-              </a:tabLst>
-            </a:pPr>
-            <a:r>
-              <a:rPr lang="es-AR" spc="125" dirty="0">
-                <a:solidFill>
-                  <a:srgbClr val="737373"/>
-                </a:solidFill>
-                <a:latin typeface="Trebuchet MS"/>
-                <a:cs typeface="Trebuchet MS"/>
-              </a:rPr>
-              <a:t>Ingeniera Electrónica, FIUBA</a:t>
-            </a:r>
-          </a:p>
-          <a:p>
-            <a:pPr marL="755650" marR="5080" lvl="1" indent="-285750">
-              <a:lnSpc>
-                <a:spcPct val="114999"/>
-              </a:lnSpc>
-              <a:spcBef>
-                <a:spcPts val="100"/>
-              </a:spcBef>
-              <a:buFont typeface="Arial" panose="020B0604020202020204" pitchFamily="34" charset="0"/>
-              <a:buChar char="•"/>
-              <a:tabLst>
-                <a:tab pos="132080" algn="l"/>
-              </a:tabLst>
-            </a:pPr>
-            <a:r>
-              <a:rPr lang="es-AR" spc="125" dirty="0">
-                <a:solidFill>
-                  <a:srgbClr val="737373"/>
-                </a:solidFill>
-                <a:latin typeface="Trebuchet MS"/>
-                <a:cs typeface="Trebuchet MS"/>
-              </a:rPr>
-              <a:t>Doctor en Ingeniería Electrónica, FIUBA</a:t>
-            </a:r>
-          </a:p>
-          <a:p>
-            <a:pPr marL="755650" marR="5080" lvl="1" indent="-285750">
-              <a:lnSpc>
-                <a:spcPct val="114999"/>
-              </a:lnSpc>
-              <a:spcBef>
-                <a:spcPts val="100"/>
-              </a:spcBef>
-              <a:buFont typeface="Arial" panose="020B0604020202020204" pitchFamily="34" charset="0"/>
-              <a:buChar char="•"/>
-              <a:tabLst>
-                <a:tab pos="132080" algn="l"/>
-              </a:tabLst>
-            </a:pPr>
-            <a:r>
-              <a:rPr lang="es-AR" spc="125" dirty="0">
-                <a:solidFill>
-                  <a:srgbClr val="737373"/>
-                </a:solidFill>
-                <a:latin typeface="Trebuchet MS"/>
-                <a:cs typeface="Trebuchet MS"/>
-              </a:rPr>
-              <a:t>Contacto:</a:t>
-            </a:r>
-          </a:p>
-          <a:p>
-            <a:pPr marL="1212850" marR="5080" lvl="2" indent="-285750">
-              <a:lnSpc>
-                <a:spcPct val="114999"/>
-              </a:lnSpc>
-              <a:spcBef>
-                <a:spcPts val="100"/>
-              </a:spcBef>
-              <a:buFont typeface="Arial" panose="020B0604020202020204" pitchFamily="34" charset="0"/>
-              <a:buChar char="•"/>
-              <a:tabLst>
-                <a:tab pos="132080" algn="l"/>
-              </a:tabLst>
-            </a:pPr>
-            <a:r>
-              <a:rPr lang="es-AR" spc="125" dirty="0">
-                <a:solidFill>
-                  <a:srgbClr val="737373"/>
-                </a:solidFill>
-                <a:latin typeface="Trebuchet MS"/>
-                <a:cs typeface="Trebuchet MS"/>
-              </a:rPr>
-              <a:t>Email: magdalena.bouza@gmail.com</a:t>
-            </a:r>
-          </a:p>
           <a:p>
             <a:pPr marL="298450" marR="5080" indent="-285750">
               <a:lnSpc>
